--- a/map/Узнай свой город.pptx
+++ b/map/Узнай свой город.pptx
@@ -205,7 +205,7 @@
           <a:p>
             <a:fld id="{1788EB11-9433-4385-8D95-CFBE58C2622F}" type="datetimeFigureOut">
               <a:rPr lang="ru-RU" smtClean="0"/>
-              <a:t>20.11.2024</a:t>
+              <a:t>21.11.2024</a:t>
             </a:fld>
             <a:endParaRPr lang="ru-RU"/>
           </a:p>
@@ -719,7 +719,7 @@
           <a:p>
             <a:fld id="{27257285-BB2E-412A-87FA-218A30844F8E}" type="datetimeFigureOut">
               <a:rPr lang="ru-RU" smtClean="0"/>
-              <a:t>20.11.2024</a:t>
+              <a:t>21.11.2024</a:t>
             </a:fld>
             <a:endParaRPr lang="ru-RU"/>
           </a:p>
@@ -889,7 +889,7 @@
           <a:p>
             <a:fld id="{27257285-BB2E-412A-87FA-218A30844F8E}" type="datetimeFigureOut">
               <a:rPr lang="ru-RU" smtClean="0"/>
-              <a:t>20.11.2024</a:t>
+              <a:t>21.11.2024</a:t>
             </a:fld>
             <a:endParaRPr lang="ru-RU"/>
           </a:p>
@@ -1069,7 +1069,7 @@
           <a:p>
             <a:fld id="{27257285-BB2E-412A-87FA-218A30844F8E}" type="datetimeFigureOut">
               <a:rPr lang="ru-RU" smtClean="0"/>
-              <a:t>20.11.2024</a:t>
+              <a:t>21.11.2024</a:t>
             </a:fld>
             <a:endParaRPr lang="ru-RU"/>
           </a:p>
@@ -1239,7 +1239,7 @@
           <a:p>
             <a:fld id="{27257285-BB2E-412A-87FA-218A30844F8E}" type="datetimeFigureOut">
               <a:rPr lang="ru-RU" smtClean="0"/>
-              <a:t>20.11.2024</a:t>
+              <a:t>21.11.2024</a:t>
             </a:fld>
             <a:endParaRPr lang="ru-RU"/>
           </a:p>
@@ -1507,7 +1507,7 @@
           <a:p>
             <a:fld id="{27257285-BB2E-412A-87FA-218A30844F8E}" type="datetimeFigureOut">
               <a:rPr lang="ru-RU" smtClean="0"/>
-              <a:t>20.11.2024</a:t>
+              <a:t>21.11.2024</a:t>
             </a:fld>
             <a:endParaRPr lang="ru-RU"/>
           </a:p>
@@ -1739,7 +1739,7 @@
           <a:p>
             <a:fld id="{27257285-BB2E-412A-87FA-218A30844F8E}" type="datetimeFigureOut">
               <a:rPr lang="ru-RU" smtClean="0"/>
-              <a:t>20.11.2024</a:t>
+              <a:t>21.11.2024</a:t>
             </a:fld>
             <a:endParaRPr lang="ru-RU"/>
           </a:p>
@@ -2098,7 +2098,7 @@
           <a:p>
             <a:fld id="{27257285-BB2E-412A-87FA-218A30844F8E}" type="datetimeFigureOut">
               <a:rPr lang="ru-RU" smtClean="0"/>
-              <a:t>20.11.2024</a:t>
+              <a:t>21.11.2024</a:t>
             </a:fld>
             <a:endParaRPr lang="ru-RU"/>
           </a:p>
@@ -2239,7 +2239,7 @@
           <a:p>
             <a:fld id="{27257285-BB2E-412A-87FA-218A30844F8E}" type="datetimeFigureOut">
               <a:rPr lang="ru-RU" smtClean="0"/>
-              <a:t>20.11.2024</a:t>
+              <a:t>21.11.2024</a:t>
             </a:fld>
             <a:endParaRPr lang="ru-RU"/>
           </a:p>
@@ -2334,7 +2334,7 @@
           <a:p>
             <a:fld id="{27257285-BB2E-412A-87FA-218A30844F8E}" type="datetimeFigureOut">
               <a:rPr lang="ru-RU" smtClean="0"/>
-              <a:t>20.11.2024</a:t>
+              <a:t>21.11.2024</a:t>
             </a:fld>
             <a:endParaRPr lang="ru-RU"/>
           </a:p>
@@ -2691,7 +2691,7 @@
           <a:p>
             <a:fld id="{27257285-BB2E-412A-87FA-218A30844F8E}" type="datetimeFigureOut">
               <a:rPr lang="ru-RU" smtClean="0"/>
-              <a:t>20.11.2024</a:t>
+              <a:t>21.11.2024</a:t>
             </a:fld>
             <a:endParaRPr lang="ru-RU"/>
           </a:p>
@@ -3048,7 +3048,7 @@
           <a:p>
             <a:fld id="{27257285-BB2E-412A-87FA-218A30844F8E}" type="datetimeFigureOut">
               <a:rPr lang="ru-RU" smtClean="0"/>
-              <a:t>20.11.2024</a:t>
+              <a:t>21.11.2024</a:t>
             </a:fld>
             <a:endParaRPr lang="ru-RU"/>
           </a:p>
@@ -3290,7 +3290,7 @@
           <a:p>
             <a:fld id="{27257285-BB2E-412A-87FA-218A30844F8E}" type="datetimeFigureOut">
               <a:rPr lang="ru-RU" smtClean="0"/>
-              <a:t>20.11.2024</a:t>
+              <a:t>21.11.2024</a:t>
             </a:fld>
             <a:endParaRPr lang="ru-RU"/>
           </a:p>
@@ -4085,7 +4085,7 @@
         <p:spPr>
           <a:xfrm>
             <a:off x="249383" y="2137557"/>
-            <a:ext cx="2101932" cy="2062103"/>
+            <a:ext cx="2683822" cy="2062103"/>
           </a:xfrm>
           <a:prstGeom prst="rect">
             <a:avLst/>
@@ -4171,6 +4171,10 @@
             <a:r>
               <a:rPr lang="en-US" dirty="0" err="1"/>
               <a:t>QPlainTextEdit</a:t>
+            </a:r>
+            <a:r>
+              <a:rPr lang="ru-RU" dirty="0"/>
+              <a:t>  </a:t>
             </a:r>
             <a:endParaRPr lang="en-US" dirty="0"/>
           </a:p>
@@ -4251,7 +4255,7 @@
         <p:spPr>
           <a:xfrm>
             <a:off x="3223161" y="2137557"/>
-            <a:ext cx="1900052" cy="1508105"/>
+            <a:ext cx="2555008" cy="1508105"/>
           </a:xfrm>
           <a:prstGeom prst="rect">
             <a:avLst/>
@@ -4418,8 +4422,8 @@
         </p:nvSpPr>
         <p:spPr>
           <a:xfrm>
-            <a:off x="3495007" y="755134"/>
-            <a:ext cx="5201986" cy="584775"/>
+            <a:off x="3495006" y="755134"/>
+            <a:ext cx="6183383" cy="586778"/>
           </a:xfrm>
           <a:prstGeom prst="rect">
             <a:avLst/>
@@ -4572,8 +4576,8 @@
         </p:nvSpPr>
         <p:spPr>
           <a:xfrm>
-            <a:off x="4036622" y="140316"/>
-            <a:ext cx="3037278" cy="584775"/>
+            <a:off x="3710051" y="124926"/>
+            <a:ext cx="5042064" cy="584775"/>
           </a:xfrm>
           <a:prstGeom prst="rect">
             <a:avLst/>
@@ -4923,8 +4927,8 @@
         </p:nvSpPr>
         <p:spPr>
           <a:xfrm>
-            <a:off x="3641848" y="236802"/>
-            <a:ext cx="3171702" cy="584775"/>
+            <a:off x="3641847" y="236802"/>
+            <a:ext cx="4498687" cy="584775"/>
           </a:xfrm>
           <a:prstGeom prst="rect">
             <a:avLst/>
@@ -5297,8 +5301,8 @@
         </p:nvSpPr>
         <p:spPr>
           <a:xfrm>
-            <a:off x="3799840" y="315964"/>
-            <a:ext cx="4521200" cy="584775"/>
+            <a:off x="3799839" y="315964"/>
+            <a:ext cx="7748913" cy="584775"/>
           </a:xfrm>
           <a:prstGeom prst="rect">
             <a:avLst/>
